--- a/Custom slide deck cover sheet.pptx
+++ b/Custom slide deck cover sheet.pptx
@@ -104,6 +104,11 @@
       </a:defRPr>
     </a:lvl9pPr>
   </p:defaultTextStyle>
+  <p:extLst>
+    <p:ext uri="{EFAFB233-063F-42B5-8137-9DF3F51BA10A}">
+      <p15:sldGuideLst xmlns:p15="http://schemas.microsoft.com/office/powerpoint/2012/main"/>
+    </p:ext>
+  </p:extLst>
 </p:presentation>
 </file>
 
@@ -238,7 +243,7 @@
           <a:p>
             <a:fld id="{586E8DD0-60D6-405D-BDCF-3229B857C607}" type="datetimeFigureOut">
               <a:rPr lang="en-GB" smtClean="0"/>
-              <a:t>02/05/2019</a:t>
+              <a:t>03/05/2019</a:t>
             </a:fld>
             <a:endParaRPr lang="en-GB"/>
           </a:p>
@@ -408,7 +413,7 @@
           <a:p>
             <a:fld id="{586E8DD0-60D6-405D-BDCF-3229B857C607}" type="datetimeFigureOut">
               <a:rPr lang="en-GB" smtClean="0"/>
-              <a:t>02/05/2019</a:t>
+              <a:t>03/05/2019</a:t>
             </a:fld>
             <a:endParaRPr lang="en-GB"/>
           </a:p>
@@ -588,7 +593,7 @@
           <a:p>
             <a:fld id="{586E8DD0-60D6-405D-BDCF-3229B857C607}" type="datetimeFigureOut">
               <a:rPr lang="en-GB" smtClean="0"/>
-              <a:t>02/05/2019</a:t>
+              <a:t>03/05/2019</a:t>
             </a:fld>
             <a:endParaRPr lang="en-GB"/>
           </a:p>
@@ -758,7 +763,7 @@
           <a:p>
             <a:fld id="{586E8DD0-60D6-405D-BDCF-3229B857C607}" type="datetimeFigureOut">
               <a:rPr lang="en-GB" smtClean="0"/>
-              <a:t>02/05/2019</a:t>
+              <a:t>03/05/2019</a:t>
             </a:fld>
             <a:endParaRPr lang="en-GB"/>
           </a:p>
@@ -1002,7 +1007,7 @@
           <a:p>
             <a:fld id="{586E8DD0-60D6-405D-BDCF-3229B857C607}" type="datetimeFigureOut">
               <a:rPr lang="en-GB" smtClean="0"/>
-              <a:t>02/05/2019</a:t>
+              <a:t>03/05/2019</a:t>
             </a:fld>
             <a:endParaRPr lang="en-GB"/>
           </a:p>
@@ -1234,7 +1239,7 @@
           <a:p>
             <a:fld id="{586E8DD0-60D6-405D-BDCF-3229B857C607}" type="datetimeFigureOut">
               <a:rPr lang="en-GB" smtClean="0"/>
-              <a:t>02/05/2019</a:t>
+              <a:t>03/05/2019</a:t>
             </a:fld>
             <a:endParaRPr lang="en-GB"/>
           </a:p>
@@ -1601,7 +1606,7 @@
           <a:p>
             <a:fld id="{586E8DD0-60D6-405D-BDCF-3229B857C607}" type="datetimeFigureOut">
               <a:rPr lang="en-GB" smtClean="0"/>
-              <a:t>02/05/2019</a:t>
+              <a:t>03/05/2019</a:t>
             </a:fld>
             <a:endParaRPr lang="en-GB"/>
           </a:p>
@@ -1719,7 +1724,7 @@
           <a:p>
             <a:fld id="{586E8DD0-60D6-405D-BDCF-3229B857C607}" type="datetimeFigureOut">
               <a:rPr lang="en-GB" smtClean="0"/>
-              <a:t>02/05/2019</a:t>
+              <a:t>03/05/2019</a:t>
             </a:fld>
             <a:endParaRPr lang="en-GB"/>
           </a:p>
@@ -1814,7 +1819,7 @@
           <a:p>
             <a:fld id="{586E8DD0-60D6-405D-BDCF-3229B857C607}" type="datetimeFigureOut">
               <a:rPr lang="en-GB" smtClean="0"/>
-              <a:t>02/05/2019</a:t>
+              <a:t>03/05/2019</a:t>
             </a:fld>
             <a:endParaRPr lang="en-GB"/>
           </a:p>
@@ -2091,7 +2096,7 @@
           <a:p>
             <a:fld id="{586E8DD0-60D6-405D-BDCF-3229B857C607}" type="datetimeFigureOut">
               <a:rPr lang="en-GB" smtClean="0"/>
-              <a:t>02/05/2019</a:t>
+              <a:t>03/05/2019</a:t>
             </a:fld>
             <a:endParaRPr lang="en-GB"/>
           </a:p>
@@ -2348,7 +2353,7 @@
           <a:p>
             <a:fld id="{586E8DD0-60D6-405D-BDCF-3229B857C607}" type="datetimeFigureOut">
               <a:rPr lang="en-GB" smtClean="0"/>
-              <a:t>02/05/2019</a:t>
+              <a:t>03/05/2019</a:t>
             </a:fld>
             <a:endParaRPr lang="en-GB"/>
           </a:p>
@@ -2561,7 +2566,7 @@
           <a:p>
             <a:fld id="{586E8DD0-60D6-405D-BDCF-3229B857C607}" type="datetimeFigureOut">
               <a:rPr lang="en-GB" smtClean="0"/>
-              <a:t>02/05/2019</a:t>
+              <a:t>03/05/2019</a:t>
             </a:fld>
             <a:endParaRPr lang="en-GB"/>
           </a:p>
@@ -3053,7 +3058,7 @@
         <p:spPr>
           <a:xfrm>
             <a:off x="1104182" y="1647645"/>
-            <a:ext cx="6055744" cy="2308324"/>
+            <a:ext cx="6055744" cy="2585323"/>
           </a:xfrm>
           <a:prstGeom prst="rect">
             <a:avLst/>
@@ -3119,8 +3124,13 @@
           <a:p>
             <a:r>
               <a:rPr lang="en-GB" dirty="0"/>
-              <a:t>Change the reference in your version of the current CSS file</a:t>
-            </a:r>
+              <a:t>Change the reference in your version of the current CSS file </a:t>
+            </a:r>
+            <a:r>
+              <a:rPr lang="en-GB"/>
+              <a:t>(background-image)</a:t>
+            </a:r>
+            <a:endParaRPr lang="en-GB" dirty="0"/>
           </a:p>
           <a:p>
             <a:endParaRPr lang="en-GB" dirty="0"/>
